--- a/John Nicolás Fajardo Jerez/Pesentacion.pptx
+++ b/John Nicolás Fajardo Jerez/Pesentacion.pptx
@@ -6787,7 +6787,7 @@
         </p:blipFill>
         <p:spPr>
           <a:xfrm>
-            <a:off x="3425459" y="514350"/>
+            <a:off x="3404525" y="573102"/>
             <a:ext cx="2166900" cy="1609696"/>
           </a:xfrm>
           <a:prstGeom prst="rect">
